--- a/세미프로젝트 발표 _ 최종.pptx
+++ b/세미프로젝트 발표 _ 최종.pptx
@@ -621,7 +621,7 @@
           <p:cNvPr id="2" name="제목 1">
             <a:extLst>
               <a:ext uri="{FF2B5EF4-FFF2-40B4-BE49-F238E27FC236}">
-                <a16:creationId xmlns:a16="http://schemas.microsoft.com/office/drawing/2014/main" xmlns="" id="{494557D7-6AC6-40C1-9FD9-F7DBA4D51DF2}"/>
+                <a16:creationId xmlns="" xmlns:a16="http://schemas.microsoft.com/office/drawing/2014/main" id="{494557D7-6AC6-40C1-9FD9-F7DBA4D51DF2}"/>
               </a:ext>
             </a:extLst>
           </p:cNvPr>
@@ -659,7 +659,7 @@
           <p:cNvPr id="3" name="부제목 2">
             <a:extLst>
               <a:ext uri="{FF2B5EF4-FFF2-40B4-BE49-F238E27FC236}">
-                <a16:creationId xmlns:a16="http://schemas.microsoft.com/office/drawing/2014/main" xmlns="" id="{F918F098-AC8B-4686-8720-5FB3A28B0740}"/>
+                <a16:creationId xmlns="" xmlns:a16="http://schemas.microsoft.com/office/drawing/2014/main" id="{F918F098-AC8B-4686-8720-5FB3A28B0740}"/>
               </a:ext>
             </a:extLst>
           </p:cNvPr>
@@ -730,7 +730,7 @@
           <p:cNvPr id="4" name="날짜 개체 틀 3">
             <a:extLst>
               <a:ext uri="{FF2B5EF4-FFF2-40B4-BE49-F238E27FC236}">
-                <a16:creationId xmlns:a16="http://schemas.microsoft.com/office/drawing/2014/main" xmlns="" id="{57774FB7-DC0C-4E6E-B355-8BED04A36446}"/>
+                <a16:creationId xmlns="" xmlns:a16="http://schemas.microsoft.com/office/drawing/2014/main" id="{57774FB7-DC0C-4E6E-B355-8BED04A36446}"/>
               </a:ext>
             </a:extLst>
           </p:cNvPr>
@@ -759,7 +759,7 @@
           <p:cNvPr id="5" name="바닥글 개체 틀 4">
             <a:extLst>
               <a:ext uri="{FF2B5EF4-FFF2-40B4-BE49-F238E27FC236}">
-                <a16:creationId xmlns:a16="http://schemas.microsoft.com/office/drawing/2014/main" xmlns="" id="{101BDA3F-90FA-4638-9C9C-BB839F5013C7}"/>
+                <a16:creationId xmlns="" xmlns:a16="http://schemas.microsoft.com/office/drawing/2014/main" id="{101BDA3F-90FA-4638-9C9C-BB839F5013C7}"/>
               </a:ext>
             </a:extLst>
           </p:cNvPr>
@@ -784,7 +784,7 @@
           <p:cNvPr id="6" name="슬라이드 번호 개체 틀 5">
             <a:extLst>
               <a:ext uri="{FF2B5EF4-FFF2-40B4-BE49-F238E27FC236}">
-                <a16:creationId xmlns:a16="http://schemas.microsoft.com/office/drawing/2014/main" xmlns="" id="{613506B6-7E93-426F-80DD-4D72EC170F67}"/>
+                <a16:creationId xmlns="" xmlns:a16="http://schemas.microsoft.com/office/drawing/2014/main" id="{613506B6-7E93-426F-80DD-4D72EC170F67}"/>
               </a:ext>
             </a:extLst>
           </p:cNvPr>
@@ -850,7 +850,7 @@
           <p:cNvPr id="2" name="제목 1">
             <a:extLst>
               <a:ext uri="{FF2B5EF4-FFF2-40B4-BE49-F238E27FC236}">
-                <a16:creationId xmlns:a16="http://schemas.microsoft.com/office/drawing/2014/main" xmlns="" id="{2EB59F82-083A-4394-A967-87503DBB5E63}"/>
+                <a16:creationId xmlns="" xmlns:a16="http://schemas.microsoft.com/office/drawing/2014/main" id="{2EB59F82-083A-4394-A967-87503DBB5E63}"/>
               </a:ext>
             </a:extLst>
           </p:cNvPr>
@@ -879,7 +879,7 @@
           <p:cNvPr id="3" name="세로 텍스트 개체 틀 2">
             <a:extLst>
               <a:ext uri="{FF2B5EF4-FFF2-40B4-BE49-F238E27FC236}">
-                <a16:creationId xmlns:a16="http://schemas.microsoft.com/office/drawing/2014/main" xmlns="" id="{5BD6B419-CD58-4A0A-BDF3-3571E5AFBEDF}"/>
+                <a16:creationId xmlns="" xmlns:a16="http://schemas.microsoft.com/office/drawing/2014/main" id="{5BD6B419-CD58-4A0A-BDF3-3571E5AFBEDF}"/>
               </a:ext>
             </a:extLst>
           </p:cNvPr>
@@ -937,7 +937,7 @@
           <p:cNvPr id="4" name="날짜 개체 틀 3">
             <a:extLst>
               <a:ext uri="{FF2B5EF4-FFF2-40B4-BE49-F238E27FC236}">
-                <a16:creationId xmlns:a16="http://schemas.microsoft.com/office/drawing/2014/main" xmlns="" id="{443B1D1F-7FF1-45AC-AD21-8FDD3E589957}"/>
+                <a16:creationId xmlns="" xmlns:a16="http://schemas.microsoft.com/office/drawing/2014/main" id="{443B1D1F-7FF1-45AC-AD21-8FDD3E589957}"/>
               </a:ext>
             </a:extLst>
           </p:cNvPr>
@@ -966,7 +966,7 @@
           <p:cNvPr id="5" name="바닥글 개체 틀 4">
             <a:extLst>
               <a:ext uri="{FF2B5EF4-FFF2-40B4-BE49-F238E27FC236}">
-                <a16:creationId xmlns:a16="http://schemas.microsoft.com/office/drawing/2014/main" xmlns="" id="{616E73B2-8213-47D7-8BBF-B6128B5FD830}"/>
+                <a16:creationId xmlns="" xmlns:a16="http://schemas.microsoft.com/office/drawing/2014/main" id="{616E73B2-8213-47D7-8BBF-B6128B5FD830}"/>
               </a:ext>
             </a:extLst>
           </p:cNvPr>
@@ -991,7 +991,7 @@
           <p:cNvPr id="6" name="슬라이드 번호 개체 틀 5">
             <a:extLst>
               <a:ext uri="{FF2B5EF4-FFF2-40B4-BE49-F238E27FC236}">
-                <a16:creationId xmlns:a16="http://schemas.microsoft.com/office/drawing/2014/main" xmlns="" id="{2A5DBFF9-2C1F-4F04-8205-7BB47E805A72}"/>
+                <a16:creationId xmlns="" xmlns:a16="http://schemas.microsoft.com/office/drawing/2014/main" id="{2A5DBFF9-2C1F-4F04-8205-7BB47E805A72}"/>
               </a:ext>
             </a:extLst>
           </p:cNvPr>
@@ -1057,7 +1057,7 @@
           <p:cNvPr id="2" name="세로 제목 1">
             <a:extLst>
               <a:ext uri="{FF2B5EF4-FFF2-40B4-BE49-F238E27FC236}">
-                <a16:creationId xmlns:a16="http://schemas.microsoft.com/office/drawing/2014/main" xmlns="" id="{84222CE1-256C-4389-A781-AEF3A42ADAA7}"/>
+                <a16:creationId xmlns="" xmlns:a16="http://schemas.microsoft.com/office/drawing/2014/main" id="{84222CE1-256C-4389-A781-AEF3A42ADAA7}"/>
               </a:ext>
             </a:extLst>
           </p:cNvPr>
@@ -1091,7 +1091,7 @@
           <p:cNvPr id="3" name="세로 텍스트 개체 틀 2">
             <a:extLst>
               <a:ext uri="{FF2B5EF4-FFF2-40B4-BE49-F238E27FC236}">
-                <a16:creationId xmlns:a16="http://schemas.microsoft.com/office/drawing/2014/main" xmlns="" id="{39AE1B98-7B8E-4CD9-91DD-29F5897CE63D}"/>
+                <a16:creationId xmlns="" xmlns:a16="http://schemas.microsoft.com/office/drawing/2014/main" id="{39AE1B98-7B8E-4CD9-91DD-29F5897CE63D}"/>
               </a:ext>
             </a:extLst>
           </p:cNvPr>
@@ -1154,7 +1154,7 @@
           <p:cNvPr id="4" name="날짜 개체 틀 3">
             <a:extLst>
               <a:ext uri="{FF2B5EF4-FFF2-40B4-BE49-F238E27FC236}">
-                <a16:creationId xmlns:a16="http://schemas.microsoft.com/office/drawing/2014/main" xmlns="" id="{26D31E90-AE88-48AB-BF7C-935F17D486AC}"/>
+                <a16:creationId xmlns="" xmlns:a16="http://schemas.microsoft.com/office/drawing/2014/main" id="{26D31E90-AE88-48AB-BF7C-935F17D486AC}"/>
               </a:ext>
             </a:extLst>
           </p:cNvPr>
@@ -1183,7 +1183,7 @@
           <p:cNvPr id="5" name="바닥글 개체 틀 4">
             <a:extLst>
               <a:ext uri="{FF2B5EF4-FFF2-40B4-BE49-F238E27FC236}">
-                <a16:creationId xmlns:a16="http://schemas.microsoft.com/office/drawing/2014/main" xmlns="" id="{B69C025D-7C48-4503-911B-89D189C3BD2F}"/>
+                <a16:creationId xmlns="" xmlns:a16="http://schemas.microsoft.com/office/drawing/2014/main" id="{B69C025D-7C48-4503-911B-89D189C3BD2F}"/>
               </a:ext>
             </a:extLst>
           </p:cNvPr>
@@ -1208,7 +1208,7 @@
           <p:cNvPr id="6" name="슬라이드 번호 개체 틀 5">
             <a:extLst>
               <a:ext uri="{FF2B5EF4-FFF2-40B4-BE49-F238E27FC236}">
-                <a16:creationId xmlns:a16="http://schemas.microsoft.com/office/drawing/2014/main" xmlns="" id="{8D62840A-1492-4880-A99E-517E71D8BB4A}"/>
+                <a16:creationId xmlns="" xmlns:a16="http://schemas.microsoft.com/office/drawing/2014/main" id="{8D62840A-1492-4880-A99E-517E71D8BB4A}"/>
               </a:ext>
             </a:extLst>
           </p:cNvPr>
@@ -1274,7 +1274,7 @@
           <p:cNvPr id="2" name="제목 1">
             <a:extLst>
               <a:ext uri="{FF2B5EF4-FFF2-40B4-BE49-F238E27FC236}">
-                <a16:creationId xmlns:a16="http://schemas.microsoft.com/office/drawing/2014/main" xmlns="" id="{05CAD9FD-BE6F-4D9E-B8F7-BC708BAC722D}"/>
+                <a16:creationId xmlns="" xmlns:a16="http://schemas.microsoft.com/office/drawing/2014/main" id="{05CAD9FD-BE6F-4D9E-B8F7-BC708BAC722D}"/>
               </a:ext>
             </a:extLst>
           </p:cNvPr>
@@ -1303,7 +1303,7 @@
           <p:cNvPr id="3" name="내용 개체 틀 2">
             <a:extLst>
               <a:ext uri="{FF2B5EF4-FFF2-40B4-BE49-F238E27FC236}">
-                <a16:creationId xmlns:a16="http://schemas.microsoft.com/office/drawing/2014/main" xmlns="" id="{B3A345E9-393B-490F-96F2-EF2861777B84}"/>
+                <a16:creationId xmlns="" xmlns:a16="http://schemas.microsoft.com/office/drawing/2014/main" id="{B3A345E9-393B-490F-96F2-EF2861777B84}"/>
               </a:ext>
             </a:extLst>
           </p:cNvPr>
@@ -1361,7 +1361,7 @@
           <p:cNvPr id="4" name="날짜 개체 틀 3">
             <a:extLst>
               <a:ext uri="{FF2B5EF4-FFF2-40B4-BE49-F238E27FC236}">
-                <a16:creationId xmlns:a16="http://schemas.microsoft.com/office/drawing/2014/main" xmlns="" id="{FAE7522D-8FDA-4EFD-B25B-1981183A96F8}"/>
+                <a16:creationId xmlns="" xmlns:a16="http://schemas.microsoft.com/office/drawing/2014/main" id="{FAE7522D-8FDA-4EFD-B25B-1981183A96F8}"/>
               </a:ext>
             </a:extLst>
           </p:cNvPr>
@@ -1390,7 +1390,7 @@
           <p:cNvPr id="5" name="바닥글 개체 틀 4">
             <a:extLst>
               <a:ext uri="{FF2B5EF4-FFF2-40B4-BE49-F238E27FC236}">
-                <a16:creationId xmlns:a16="http://schemas.microsoft.com/office/drawing/2014/main" xmlns="" id="{560E9F68-B213-4504-BC6C-A430A34FD435}"/>
+                <a16:creationId xmlns="" xmlns:a16="http://schemas.microsoft.com/office/drawing/2014/main" id="{560E9F68-B213-4504-BC6C-A430A34FD435}"/>
               </a:ext>
             </a:extLst>
           </p:cNvPr>
@@ -1415,7 +1415,7 @@
           <p:cNvPr id="6" name="슬라이드 번호 개체 틀 5">
             <a:extLst>
               <a:ext uri="{FF2B5EF4-FFF2-40B4-BE49-F238E27FC236}">
-                <a16:creationId xmlns:a16="http://schemas.microsoft.com/office/drawing/2014/main" xmlns="" id="{A8E5EE3D-9082-4394-9189-49FEAEDDBAAA}"/>
+                <a16:creationId xmlns="" xmlns:a16="http://schemas.microsoft.com/office/drawing/2014/main" id="{A8E5EE3D-9082-4394-9189-49FEAEDDBAAA}"/>
               </a:ext>
             </a:extLst>
           </p:cNvPr>
@@ -1481,7 +1481,7 @@
           <p:cNvPr id="2" name="제목 1">
             <a:extLst>
               <a:ext uri="{FF2B5EF4-FFF2-40B4-BE49-F238E27FC236}">
-                <a16:creationId xmlns:a16="http://schemas.microsoft.com/office/drawing/2014/main" xmlns="" id="{55414878-47C7-4BFB-A3AC-841DC0891F2D}"/>
+                <a16:creationId xmlns="" xmlns:a16="http://schemas.microsoft.com/office/drawing/2014/main" id="{55414878-47C7-4BFB-A3AC-841DC0891F2D}"/>
               </a:ext>
             </a:extLst>
           </p:cNvPr>
@@ -1519,7 +1519,7 @@
           <p:cNvPr id="3" name="텍스트 개체 틀 2">
             <a:extLst>
               <a:ext uri="{FF2B5EF4-FFF2-40B4-BE49-F238E27FC236}">
-                <a16:creationId xmlns:a16="http://schemas.microsoft.com/office/drawing/2014/main" xmlns="" id="{A7FFB40C-A79C-4F12-B4FD-F6853B81E9BC}"/>
+                <a16:creationId xmlns="" xmlns:a16="http://schemas.microsoft.com/office/drawing/2014/main" id="{A7FFB40C-A79C-4F12-B4FD-F6853B81E9BC}"/>
               </a:ext>
             </a:extLst>
           </p:cNvPr>
@@ -1644,7 +1644,7 @@
           <p:cNvPr id="4" name="날짜 개체 틀 3">
             <a:extLst>
               <a:ext uri="{FF2B5EF4-FFF2-40B4-BE49-F238E27FC236}">
-                <a16:creationId xmlns:a16="http://schemas.microsoft.com/office/drawing/2014/main" xmlns="" id="{B2087068-949C-478B-9CD3-6C6D5CC163B5}"/>
+                <a16:creationId xmlns="" xmlns:a16="http://schemas.microsoft.com/office/drawing/2014/main" id="{B2087068-949C-478B-9CD3-6C6D5CC163B5}"/>
               </a:ext>
             </a:extLst>
           </p:cNvPr>
@@ -1673,7 +1673,7 @@
           <p:cNvPr id="5" name="바닥글 개체 틀 4">
             <a:extLst>
               <a:ext uri="{FF2B5EF4-FFF2-40B4-BE49-F238E27FC236}">
-                <a16:creationId xmlns:a16="http://schemas.microsoft.com/office/drawing/2014/main" xmlns="" id="{1DA29CCE-29BB-483B-95C4-70D175E87D5B}"/>
+                <a16:creationId xmlns="" xmlns:a16="http://schemas.microsoft.com/office/drawing/2014/main" id="{1DA29CCE-29BB-483B-95C4-70D175E87D5B}"/>
               </a:ext>
             </a:extLst>
           </p:cNvPr>
@@ -1698,7 +1698,7 @@
           <p:cNvPr id="6" name="슬라이드 번호 개체 틀 5">
             <a:extLst>
               <a:ext uri="{FF2B5EF4-FFF2-40B4-BE49-F238E27FC236}">
-                <a16:creationId xmlns:a16="http://schemas.microsoft.com/office/drawing/2014/main" xmlns="" id="{384AA3DF-9BE2-477B-A0A0-86792E1C42A4}"/>
+                <a16:creationId xmlns="" xmlns:a16="http://schemas.microsoft.com/office/drawing/2014/main" id="{384AA3DF-9BE2-477B-A0A0-86792E1C42A4}"/>
               </a:ext>
             </a:extLst>
           </p:cNvPr>
@@ -1757,7 +1757,7 @@
           <p:cNvPr id="2" name="제목 1">
             <a:extLst>
               <a:ext uri="{FF2B5EF4-FFF2-40B4-BE49-F238E27FC236}">
-                <a16:creationId xmlns:a16="http://schemas.microsoft.com/office/drawing/2014/main" xmlns="" id="{0982B275-3588-4B10-9D61-64777120C3E9}"/>
+                <a16:creationId xmlns="" xmlns:a16="http://schemas.microsoft.com/office/drawing/2014/main" id="{0982B275-3588-4B10-9D61-64777120C3E9}"/>
               </a:ext>
             </a:extLst>
           </p:cNvPr>
@@ -1786,7 +1786,7 @@
           <p:cNvPr id="3" name="내용 개체 틀 2">
             <a:extLst>
               <a:ext uri="{FF2B5EF4-FFF2-40B4-BE49-F238E27FC236}">
-                <a16:creationId xmlns:a16="http://schemas.microsoft.com/office/drawing/2014/main" xmlns="" id="{41FFF775-238F-4874-ABE0-8FC7AEB7C795}"/>
+                <a16:creationId xmlns="" xmlns:a16="http://schemas.microsoft.com/office/drawing/2014/main" id="{41FFF775-238F-4874-ABE0-8FC7AEB7C795}"/>
               </a:ext>
             </a:extLst>
           </p:cNvPr>
@@ -1849,7 +1849,7 @@
           <p:cNvPr id="4" name="내용 개체 틀 3">
             <a:extLst>
               <a:ext uri="{FF2B5EF4-FFF2-40B4-BE49-F238E27FC236}">
-                <a16:creationId xmlns:a16="http://schemas.microsoft.com/office/drawing/2014/main" xmlns="" id="{EF40BB72-8155-4CAD-ADCF-59C5595E9877}"/>
+                <a16:creationId xmlns="" xmlns:a16="http://schemas.microsoft.com/office/drawing/2014/main" id="{EF40BB72-8155-4CAD-ADCF-59C5595E9877}"/>
               </a:ext>
             </a:extLst>
           </p:cNvPr>
@@ -1912,7 +1912,7 @@
           <p:cNvPr id="5" name="날짜 개체 틀 4">
             <a:extLst>
               <a:ext uri="{FF2B5EF4-FFF2-40B4-BE49-F238E27FC236}">
-                <a16:creationId xmlns:a16="http://schemas.microsoft.com/office/drawing/2014/main" xmlns="" id="{2835522B-7C25-4A92-9C55-D347E73F4C6A}"/>
+                <a16:creationId xmlns="" xmlns:a16="http://schemas.microsoft.com/office/drawing/2014/main" id="{2835522B-7C25-4A92-9C55-D347E73F4C6A}"/>
               </a:ext>
             </a:extLst>
           </p:cNvPr>
@@ -1941,7 +1941,7 @@
           <p:cNvPr id="6" name="바닥글 개체 틀 5">
             <a:extLst>
               <a:ext uri="{FF2B5EF4-FFF2-40B4-BE49-F238E27FC236}">
-                <a16:creationId xmlns:a16="http://schemas.microsoft.com/office/drawing/2014/main" xmlns="" id="{EF84D771-C55B-45FB-948C-85B37E407802}"/>
+                <a16:creationId xmlns="" xmlns:a16="http://schemas.microsoft.com/office/drawing/2014/main" id="{EF84D771-C55B-45FB-948C-85B37E407802}"/>
               </a:ext>
             </a:extLst>
           </p:cNvPr>
@@ -1966,7 +1966,7 @@
           <p:cNvPr id="7" name="슬라이드 번호 개체 틀 6">
             <a:extLst>
               <a:ext uri="{FF2B5EF4-FFF2-40B4-BE49-F238E27FC236}">
-                <a16:creationId xmlns:a16="http://schemas.microsoft.com/office/drawing/2014/main" xmlns="" id="{F653B096-8F77-4B0C-AEAC-F43D01DCE8EF}"/>
+                <a16:creationId xmlns="" xmlns:a16="http://schemas.microsoft.com/office/drawing/2014/main" id="{F653B096-8F77-4B0C-AEAC-F43D01DCE8EF}"/>
               </a:ext>
             </a:extLst>
           </p:cNvPr>
@@ -2025,7 +2025,7 @@
           <p:cNvPr id="2" name="제목 1">
             <a:extLst>
               <a:ext uri="{FF2B5EF4-FFF2-40B4-BE49-F238E27FC236}">
-                <a16:creationId xmlns:a16="http://schemas.microsoft.com/office/drawing/2014/main" xmlns="" id="{CEB3551D-022A-499C-9CC7-D721BD9FE5DD}"/>
+                <a16:creationId xmlns="" xmlns:a16="http://schemas.microsoft.com/office/drawing/2014/main" id="{CEB3551D-022A-499C-9CC7-D721BD9FE5DD}"/>
               </a:ext>
             </a:extLst>
           </p:cNvPr>
@@ -2059,7 +2059,7 @@
           <p:cNvPr id="3" name="텍스트 개체 틀 2">
             <a:extLst>
               <a:ext uri="{FF2B5EF4-FFF2-40B4-BE49-F238E27FC236}">
-                <a16:creationId xmlns:a16="http://schemas.microsoft.com/office/drawing/2014/main" xmlns="" id="{9573737F-363D-4693-BEC6-BFF1CD8739CD}"/>
+                <a16:creationId xmlns="" xmlns:a16="http://schemas.microsoft.com/office/drawing/2014/main" id="{9573737F-363D-4693-BEC6-BFF1CD8739CD}"/>
               </a:ext>
             </a:extLst>
           </p:cNvPr>
@@ -2130,7 +2130,7 @@
           <p:cNvPr id="4" name="내용 개체 틀 3">
             <a:extLst>
               <a:ext uri="{FF2B5EF4-FFF2-40B4-BE49-F238E27FC236}">
-                <a16:creationId xmlns:a16="http://schemas.microsoft.com/office/drawing/2014/main" xmlns="" id="{F040FCC2-501A-4ED8-8079-EF3787C9AC0B}"/>
+                <a16:creationId xmlns="" xmlns:a16="http://schemas.microsoft.com/office/drawing/2014/main" id="{F040FCC2-501A-4ED8-8079-EF3787C9AC0B}"/>
               </a:ext>
             </a:extLst>
           </p:cNvPr>
@@ -2193,7 +2193,7 @@
           <p:cNvPr id="5" name="텍스트 개체 틀 4">
             <a:extLst>
               <a:ext uri="{FF2B5EF4-FFF2-40B4-BE49-F238E27FC236}">
-                <a16:creationId xmlns:a16="http://schemas.microsoft.com/office/drawing/2014/main" xmlns="" id="{33EDADE9-35E9-4CEC-82E9-3C7A1BC4F837}"/>
+                <a16:creationId xmlns="" xmlns:a16="http://schemas.microsoft.com/office/drawing/2014/main" id="{33EDADE9-35E9-4CEC-82E9-3C7A1BC4F837}"/>
               </a:ext>
             </a:extLst>
           </p:cNvPr>
@@ -2264,7 +2264,7 @@
           <p:cNvPr id="6" name="내용 개체 틀 5">
             <a:extLst>
               <a:ext uri="{FF2B5EF4-FFF2-40B4-BE49-F238E27FC236}">
-                <a16:creationId xmlns:a16="http://schemas.microsoft.com/office/drawing/2014/main" xmlns="" id="{BA3B59D2-E319-4FF8-9707-47DED523444C}"/>
+                <a16:creationId xmlns="" xmlns:a16="http://schemas.microsoft.com/office/drawing/2014/main" id="{BA3B59D2-E319-4FF8-9707-47DED523444C}"/>
               </a:ext>
             </a:extLst>
           </p:cNvPr>
@@ -2327,7 +2327,7 @@
           <p:cNvPr id="7" name="날짜 개체 틀 6">
             <a:extLst>
               <a:ext uri="{FF2B5EF4-FFF2-40B4-BE49-F238E27FC236}">
-                <a16:creationId xmlns:a16="http://schemas.microsoft.com/office/drawing/2014/main" xmlns="" id="{D92BE661-5057-4E40-8D7A-EE1E917F21A8}"/>
+                <a16:creationId xmlns="" xmlns:a16="http://schemas.microsoft.com/office/drawing/2014/main" id="{D92BE661-5057-4E40-8D7A-EE1E917F21A8}"/>
               </a:ext>
             </a:extLst>
           </p:cNvPr>
@@ -2356,7 +2356,7 @@
           <p:cNvPr id="8" name="바닥글 개체 틀 7">
             <a:extLst>
               <a:ext uri="{FF2B5EF4-FFF2-40B4-BE49-F238E27FC236}">
-                <a16:creationId xmlns:a16="http://schemas.microsoft.com/office/drawing/2014/main" xmlns="" id="{C1CD7E7F-69D2-4E09-AD94-1EA836A21FED}"/>
+                <a16:creationId xmlns="" xmlns:a16="http://schemas.microsoft.com/office/drawing/2014/main" id="{C1CD7E7F-69D2-4E09-AD94-1EA836A21FED}"/>
               </a:ext>
             </a:extLst>
           </p:cNvPr>
@@ -2381,7 +2381,7 @@
           <p:cNvPr id="9" name="슬라이드 번호 개체 틀 8">
             <a:extLst>
               <a:ext uri="{FF2B5EF4-FFF2-40B4-BE49-F238E27FC236}">
-                <a16:creationId xmlns:a16="http://schemas.microsoft.com/office/drawing/2014/main" xmlns="" id="{C82D5842-DE7F-44BE-8601-FC08469A86DD}"/>
+                <a16:creationId xmlns="" xmlns:a16="http://schemas.microsoft.com/office/drawing/2014/main" id="{C82D5842-DE7F-44BE-8601-FC08469A86DD}"/>
               </a:ext>
             </a:extLst>
           </p:cNvPr>
@@ -2440,7 +2440,7 @@
           <p:cNvPr id="2" name="제목 1">
             <a:extLst>
               <a:ext uri="{FF2B5EF4-FFF2-40B4-BE49-F238E27FC236}">
-                <a16:creationId xmlns:a16="http://schemas.microsoft.com/office/drawing/2014/main" xmlns="" id="{8452C5C7-9760-4274-BCFA-A59CB51A476B}"/>
+                <a16:creationId xmlns="" xmlns:a16="http://schemas.microsoft.com/office/drawing/2014/main" id="{8452C5C7-9760-4274-BCFA-A59CB51A476B}"/>
               </a:ext>
             </a:extLst>
           </p:cNvPr>
@@ -2469,7 +2469,7 @@
           <p:cNvPr id="3" name="날짜 개체 틀 2">
             <a:extLst>
               <a:ext uri="{FF2B5EF4-FFF2-40B4-BE49-F238E27FC236}">
-                <a16:creationId xmlns:a16="http://schemas.microsoft.com/office/drawing/2014/main" xmlns="" id="{6E29ADE2-8549-4F00-9CDF-B27FE356CE87}"/>
+                <a16:creationId xmlns="" xmlns:a16="http://schemas.microsoft.com/office/drawing/2014/main" id="{6E29ADE2-8549-4F00-9CDF-B27FE356CE87}"/>
               </a:ext>
             </a:extLst>
           </p:cNvPr>
@@ -2498,7 +2498,7 @@
           <p:cNvPr id="4" name="바닥글 개체 틀 3">
             <a:extLst>
               <a:ext uri="{FF2B5EF4-FFF2-40B4-BE49-F238E27FC236}">
-                <a16:creationId xmlns:a16="http://schemas.microsoft.com/office/drawing/2014/main" xmlns="" id="{F239FC4A-2C08-454A-8A7B-09A1C9B74F98}"/>
+                <a16:creationId xmlns="" xmlns:a16="http://schemas.microsoft.com/office/drawing/2014/main" id="{F239FC4A-2C08-454A-8A7B-09A1C9B74F98}"/>
               </a:ext>
             </a:extLst>
           </p:cNvPr>
@@ -2523,7 +2523,7 @@
           <p:cNvPr id="5" name="슬라이드 번호 개체 틀 4">
             <a:extLst>
               <a:ext uri="{FF2B5EF4-FFF2-40B4-BE49-F238E27FC236}">
-                <a16:creationId xmlns:a16="http://schemas.microsoft.com/office/drawing/2014/main" xmlns="" id="{7098BF98-CB30-4411-A4ED-FD36EF45C696}"/>
+                <a16:creationId xmlns="" xmlns:a16="http://schemas.microsoft.com/office/drawing/2014/main" id="{7098BF98-CB30-4411-A4ED-FD36EF45C696}"/>
               </a:ext>
             </a:extLst>
           </p:cNvPr>
@@ -2582,7 +2582,7 @@
           <p:cNvPr id="2" name="날짜 개체 틀 1">
             <a:extLst>
               <a:ext uri="{FF2B5EF4-FFF2-40B4-BE49-F238E27FC236}">
-                <a16:creationId xmlns:a16="http://schemas.microsoft.com/office/drawing/2014/main" xmlns="" id="{055A8456-E068-4650-ADC4-90799B0F0775}"/>
+                <a16:creationId xmlns="" xmlns:a16="http://schemas.microsoft.com/office/drawing/2014/main" id="{055A8456-E068-4650-ADC4-90799B0F0775}"/>
               </a:ext>
             </a:extLst>
           </p:cNvPr>
@@ -2611,7 +2611,7 @@
           <p:cNvPr id="3" name="바닥글 개체 틀 2">
             <a:extLst>
               <a:ext uri="{FF2B5EF4-FFF2-40B4-BE49-F238E27FC236}">
-                <a16:creationId xmlns:a16="http://schemas.microsoft.com/office/drawing/2014/main" xmlns="" id="{49A1019B-0320-43BA-B42C-CF507F94181E}"/>
+                <a16:creationId xmlns="" xmlns:a16="http://schemas.microsoft.com/office/drawing/2014/main" id="{49A1019B-0320-43BA-B42C-CF507F94181E}"/>
               </a:ext>
             </a:extLst>
           </p:cNvPr>
@@ -2636,7 +2636,7 @@
           <p:cNvPr id="4" name="슬라이드 번호 개체 틀 3">
             <a:extLst>
               <a:ext uri="{FF2B5EF4-FFF2-40B4-BE49-F238E27FC236}">
-                <a16:creationId xmlns:a16="http://schemas.microsoft.com/office/drawing/2014/main" xmlns="" id="{DADD379E-3BD4-4CB4-A846-368C0E4814D6}"/>
+                <a16:creationId xmlns="" xmlns:a16="http://schemas.microsoft.com/office/drawing/2014/main" id="{DADD379E-3BD4-4CB4-A846-368C0E4814D6}"/>
               </a:ext>
             </a:extLst>
           </p:cNvPr>
@@ -2695,7 +2695,7 @@
           <p:cNvPr id="2" name="제목 1">
             <a:extLst>
               <a:ext uri="{FF2B5EF4-FFF2-40B4-BE49-F238E27FC236}">
-                <a16:creationId xmlns:a16="http://schemas.microsoft.com/office/drawing/2014/main" xmlns="" id="{6A311DC4-02F4-4151-8EB0-50B372B62BAC}"/>
+                <a16:creationId xmlns="" xmlns:a16="http://schemas.microsoft.com/office/drawing/2014/main" id="{6A311DC4-02F4-4151-8EB0-50B372B62BAC}"/>
               </a:ext>
             </a:extLst>
           </p:cNvPr>
@@ -2733,7 +2733,7 @@
           <p:cNvPr id="3" name="내용 개체 틀 2">
             <a:extLst>
               <a:ext uri="{FF2B5EF4-FFF2-40B4-BE49-F238E27FC236}">
-                <a16:creationId xmlns:a16="http://schemas.microsoft.com/office/drawing/2014/main" xmlns="" id="{75458AB6-91CD-40D6-8997-4DFC8E06353F}"/>
+                <a16:creationId xmlns="" xmlns:a16="http://schemas.microsoft.com/office/drawing/2014/main" id="{75458AB6-91CD-40D6-8997-4DFC8E06353F}"/>
               </a:ext>
             </a:extLst>
           </p:cNvPr>
@@ -2824,7 +2824,7 @@
           <p:cNvPr id="4" name="텍스트 개체 틀 3">
             <a:extLst>
               <a:ext uri="{FF2B5EF4-FFF2-40B4-BE49-F238E27FC236}">
-                <a16:creationId xmlns:a16="http://schemas.microsoft.com/office/drawing/2014/main" xmlns="" id="{52CDF0F5-710C-45A5-995A-0C3AE35918E3}"/>
+                <a16:creationId xmlns="" xmlns:a16="http://schemas.microsoft.com/office/drawing/2014/main" id="{52CDF0F5-710C-45A5-995A-0C3AE35918E3}"/>
               </a:ext>
             </a:extLst>
           </p:cNvPr>
@@ -2895,7 +2895,7 @@
           <p:cNvPr id="5" name="날짜 개체 틀 4">
             <a:extLst>
               <a:ext uri="{FF2B5EF4-FFF2-40B4-BE49-F238E27FC236}">
-                <a16:creationId xmlns:a16="http://schemas.microsoft.com/office/drawing/2014/main" xmlns="" id="{543C393C-9064-47A7-8C24-BF1E743396AD}"/>
+                <a16:creationId xmlns="" xmlns:a16="http://schemas.microsoft.com/office/drawing/2014/main" id="{543C393C-9064-47A7-8C24-BF1E743396AD}"/>
               </a:ext>
             </a:extLst>
           </p:cNvPr>
@@ -2924,7 +2924,7 @@
           <p:cNvPr id="6" name="바닥글 개체 틀 5">
             <a:extLst>
               <a:ext uri="{FF2B5EF4-FFF2-40B4-BE49-F238E27FC236}">
-                <a16:creationId xmlns:a16="http://schemas.microsoft.com/office/drawing/2014/main" xmlns="" id="{E74C803D-FB51-4D6F-87D3-C3321EE4A1CC}"/>
+                <a16:creationId xmlns="" xmlns:a16="http://schemas.microsoft.com/office/drawing/2014/main" id="{E74C803D-FB51-4D6F-87D3-C3321EE4A1CC}"/>
               </a:ext>
             </a:extLst>
           </p:cNvPr>
@@ -2949,7 +2949,7 @@
           <p:cNvPr id="7" name="슬라이드 번호 개체 틀 6">
             <a:extLst>
               <a:ext uri="{FF2B5EF4-FFF2-40B4-BE49-F238E27FC236}">
-                <a16:creationId xmlns:a16="http://schemas.microsoft.com/office/drawing/2014/main" xmlns="" id="{47FF311B-8ECC-44EE-A33D-7E28DBECAA5B}"/>
+                <a16:creationId xmlns="" xmlns:a16="http://schemas.microsoft.com/office/drawing/2014/main" id="{47FF311B-8ECC-44EE-A33D-7E28DBECAA5B}"/>
               </a:ext>
             </a:extLst>
           </p:cNvPr>
@@ -3015,7 +3015,7 @@
           <p:cNvPr id="2" name="제목 1">
             <a:extLst>
               <a:ext uri="{FF2B5EF4-FFF2-40B4-BE49-F238E27FC236}">
-                <a16:creationId xmlns:a16="http://schemas.microsoft.com/office/drawing/2014/main" xmlns="" id="{A69E7474-6CF1-4B46-ADF4-D92AA9DA106B}"/>
+                <a16:creationId xmlns="" xmlns:a16="http://schemas.microsoft.com/office/drawing/2014/main" id="{A69E7474-6CF1-4B46-ADF4-D92AA9DA106B}"/>
               </a:ext>
             </a:extLst>
           </p:cNvPr>
@@ -3053,7 +3053,7 @@
           <p:cNvPr id="3" name="그림 개체 틀 2">
             <a:extLst>
               <a:ext uri="{FF2B5EF4-FFF2-40B4-BE49-F238E27FC236}">
-                <a16:creationId xmlns:a16="http://schemas.microsoft.com/office/drawing/2014/main" xmlns="" id="{794EA9E0-C414-42F7-95E1-39EE9B993BE1}"/>
+                <a16:creationId xmlns="" xmlns:a16="http://schemas.microsoft.com/office/drawing/2014/main" id="{794EA9E0-C414-42F7-95E1-39EE9B993BE1}"/>
               </a:ext>
             </a:extLst>
           </p:cNvPr>
@@ -3120,7 +3120,7 @@
           <p:cNvPr id="4" name="텍스트 개체 틀 3">
             <a:extLst>
               <a:ext uri="{FF2B5EF4-FFF2-40B4-BE49-F238E27FC236}">
-                <a16:creationId xmlns:a16="http://schemas.microsoft.com/office/drawing/2014/main" xmlns="" id="{0573CE89-E3A2-4A6E-B312-7635BB1080A2}"/>
+                <a16:creationId xmlns="" xmlns:a16="http://schemas.microsoft.com/office/drawing/2014/main" id="{0573CE89-E3A2-4A6E-B312-7635BB1080A2}"/>
               </a:ext>
             </a:extLst>
           </p:cNvPr>
@@ -3191,7 +3191,7 @@
           <p:cNvPr id="5" name="날짜 개체 틀 4">
             <a:extLst>
               <a:ext uri="{FF2B5EF4-FFF2-40B4-BE49-F238E27FC236}">
-                <a16:creationId xmlns:a16="http://schemas.microsoft.com/office/drawing/2014/main" xmlns="" id="{90F07020-5B6E-48EF-9236-AA04ED984662}"/>
+                <a16:creationId xmlns="" xmlns:a16="http://schemas.microsoft.com/office/drawing/2014/main" id="{90F07020-5B6E-48EF-9236-AA04ED984662}"/>
               </a:ext>
             </a:extLst>
           </p:cNvPr>
@@ -3220,7 +3220,7 @@
           <p:cNvPr id="6" name="바닥글 개체 틀 5">
             <a:extLst>
               <a:ext uri="{FF2B5EF4-FFF2-40B4-BE49-F238E27FC236}">
-                <a16:creationId xmlns:a16="http://schemas.microsoft.com/office/drawing/2014/main" xmlns="" id="{329E3A93-117A-47E5-A84E-DE995A3B0C78}"/>
+                <a16:creationId xmlns="" xmlns:a16="http://schemas.microsoft.com/office/drawing/2014/main" id="{329E3A93-117A-47E5-A84E-DE995A3B0C78}"/>
               </a:ext>
             </a:extLst>
           </p:cNvPr>
@@ -3245,7 +3245,7 @@
           <p:cNvPr id="7" name="슬라이드 번호 개체 틀 6">
             <a:extLst>
               <a:ext uri="{FF2B5EF4-FFF2-40B4-BE49-F238E27FC236}">
-                <a16:creationId xmlns:a16="http://schemas.microsoft.com/office/drawing/2014/main" xmlns="" id="{F7F55242-B9AD-4EF3-B9E3-64BB6F030FD1}"/>
+                <a16:creationId xmlns="" xmlns:a16="http://schemas.microsoft.com/office/drawing/2014/main" id="{F7F55242-B9AD-4EF3-B9E3-64BB6F030FD1}"/>
               </a:ext>
             </a:extLst>
           </p:cNvPr>
@@ -3325,7 +3325,7 @@
           <p:cNvPr id="2" name="제목 개체 틀 1">
             <a:extLst>
               <a:ext uri="{FF2B5EF4-FFF2-40B4-BE49-F238E27FC236}">
-                <a16:creationId xmlns:a16="http://schemas.microsoft.com/office/drawing/2014/main" xmlns="" id="{0EDC190A-6176-4E3F-B18C-E1DB786E7F32}"/>
+                <a16:creationId xmlns="" xmlns:a16="http://schemas.microsoft.com/office/drawing/2014/main" id="{0EDC190A-6176-4E3F-B18C-E1DB786E7F32}"/>
               </a:ext>
             </a:extLst>
           </p:cNvPr>
@@ -3364,7 +3364,7 @@
           <p:cNvPr id="3" name="텍스트 개체 틀 2">
             <a:extLst>
               <a:ext uri="{FF2B5EF4-FFF2-40B4-BE49-F238E27FC236}">
-                <a16:creationId xmlns:a16="http://schemas.microsoft.com/office/drawing/2014/main" xmlns="" id="{CD47FC1E-5B27-4D0C-BADE-8700D66F736D}"/>
+                <a16:creationId xmlns="" xmlns:a16="http://schemas.microsoft.com/office/drawing/2014/main" id="{CD47FC1E-5B27-4D0C-BADE-8700D66F736D}"/>
               </a:ext>
             </a:extLst>
           </p:cNvPr>
@@ -3432,7 +3432,7 @@
           <p:cNvPr id="4" name="날짜 개체 틀 3">
             <a:extLst>
               <a:ext uri="{FF2B5EF4-FFF2-40B4-BE49-F238E27FC236}">
-                <a16:creationId xmlns:a16="http://schemas.microsoft.com/office/drawing/2014/main" xmlns="" id="{0E735C40-C57C-4E08-B33F-B92A2E0088E9}"/>
+                <a16:creationId xmlns="" xmlns:a16="http://schemas.microsoft.com/office/drawing/2014/main" id="{0E735C40-C57C-4E08-B33F-B92A2E0088E9}"/>
               </a:ext>
             </a:extLst>
           </p:cNvPr>
@@ -3479,7 +3479,7 @@
           <p:cNvPr id="5" name="바닥글 개체 틀 4">
             <a:extLst>
               <a:ext uri="{FF2B5EF4-FFF2-40B4-BE49-F238E27FC236}">
-                <a16:creationId xmlns:a16="http://schemas.microsoft.com/office/drawing/2014/main" xmlns="" id="{5F5FAE78-1B5F-477C-AE52-BC3B78B8AE2D}"/>
+                <a16:creationId xmlns="" xmlns:a16="http://schemas.microsoft.com/office/drawing/2014/main" id="{5F5FAE78-1B5F-477C-AE52-BC3B78B8AE2D}"/>
               </a:ext>
             </a:extLst>
           </p:cNvPr>
@@ -3522,7 +3522,7 @@
           <p:cNvPr id="6" name="슬라이드 번호 개체 틀 5">
             <a:extLst>
               <a:ext uri="{FF2B5EF4-FFF2-40B4-BE49-F238E27FC236}">
-                <a16:creationId xmlns:a16="http://schemas.microsoft.com/office/drawing/2014/main" xmlns="" id="{A6E3963E-25F1-4C65-86B8-D8D043CDD77B}"/>
+                <a16:creationId xmlns="" xmlns:a16="http://schemas.microsoft.com/office/drawing/2014/main" id="{A6E3963E-25F1-4C65-86B8-D8D043CDD77B}"/>
               </a:ext>
             </a:extLst>
           </p:cNvPr>
@@ -3912,7 +3912,7 @@
           <p:cNvPr id="11" name="TextBox 10">
             <a:extLst>
               <a:ext uri="{FF2B5EF4-FFF2-40B4-BE49-F238E27FC236}">
-                <a16:creationId xmlns:a16="http://schemas.microsoft.com/office/drawing/2014/main" xmlns="" id="{A9AA17EE-051F-431D-ABA0-A26D3DBB2351}"/>
+                <a16:creationId xmlns="" xmlns:a16="http://schemas.microsoft.com/office/drawing/2014/main" id="{A9AA17EE-051F-431D-ABA0-A26D3DBB2351}"/>
               </a:ext>
             </a:extLst>
           </p:cNvPr>
@@ -4486,7 +4486,7 @@
           <p:cNvPr id="11" name="TextBox 10">
             <a:extLst>
               <a:ext uri="{FF2B5EF4-FFF2-40B4-BE49-F238E27FC236}">
-                <a16:creationId xmlns:a16="http://schemas.microsoft.com/office/drawing/2014/main" xmlns="" id="{8D9AE28A-CC9B-4CB8-8305-C72C23EFF853}"/>
+                <a16:creationId xmlns="" xmlns:a16="http://schemas.microsoft.com/office/drawing/2014/main" id="{8D9AE28A-CC9B-4CB8-8305-C72C23EFF853}"/>
               </a:ext>
             </a:extLst>
           </p:cNvPr>
@@ -5360,7 +5360,7 @@
           <p:cNvPr id="4" name="TextBox 3">
             <a:extLst>
               <a:ext uri="{FF2B5EF4-FFF2-40B4-BE49-F238E27FC236}">
-                <a16:creationId xmlns:a16="http://schemas.microsoft.com/office/drawing/2014/main" xmlns="" id="{8D9AE28A-CC9B-4CB8-8305-C72C23EFF853}"/>
+                <a16:creationId xmlns="" xmlns:a16="http://schemas.microsoft.com/office/drawing/2014/main" id="{8D9AE28A-CC9B-4CB8-8305-C72C23EFF853}"/>
               </a:ext>
             </a:extLst>
           </p:cNvPr>
@@ -18101,7 +18101,7 @@
           <p:cNvPr id="11" name="TextBox 10">
             <a:extLst>
               <a:ext uri="{FF2B5EF4-FFF2-40B4-BE49-F238E27FC236}">
-                <a16:creationId xmlns="" xmlns:a16="http://schemas.microsoft.com/office/drawing/2014/main" id="{8D9AE28A-CC9B-4CB8-8305-C72C23EFF853}"/>
+                <a16:creationId xmlns:a16="http://schemas.microsoft.com/office/drawing/2014/main" xmlns="" id="{8D9AE28A-CC9B-4CB8-8305-C72C23EFF853}"/>
               </a:ext>
             </a:extLst>
           </p:cNvPr>
@@ -20649,7 +20649,7 @@
           <p:cNvPr id="152" name="TextBox 151">
             <a:extLst>
               <a:ext uri="{FF2B5EF4-FFF2-40B4-BE49-F238E27FC236}">
-                <a16:creationId xmlns:a16="http://schemas.microsoft.com/office/drawing/2014/main" xmlns="" id="{F6D55155-55F6-4B90-89C4-428ED5A45EC8}"/>
+                <a16:creationId xmlns="" xmlns:a16="http://schemas.microsoft.com/office/drawing/2014/main" id="{F6D55155-55F6-4B90-89C4-428ED5A45EC8}"/>
               </a:ext>
             </a:extLst>
           </p:cNvPr>
@@ -20716,7 +20716,7 @@
           <p:cNvPr id="9" name="TextBox 8">
             <a:extLst>
               <a:ext uri="{FF2B5EF4-FFF2-40B4-BE49-F238E27FC236}">
-                <a16:creationId xmlns:a16="http://schemas.microsoft.com/office/drawing/2014/main" xmlns="" id="{8D9AE28A-CC9B-4CB8-8305-C72C23EFF853}"/>
+                <a16:creationId xmlns="" xmlns:a16="http://schemas.microsoft.com/office/drawing/2014/main" id="{8D9AE28A-CC9B-4CB8-8305-C72C23EFF853}"/>
               </a:ext>
             </a:extLst>
           </p:cNvPr>
@@ -20922,7 +20922,7 @@
           <p:cNvPr id="11" name="TextBox 10">
             <a:extLst>
               <a:ext uri="{FF2B5EF4-FFF2-40B4-BE49-F238E27FC236}">
-                <a16:creationId xmlns:a16="http://schemas.microsoft.com/office/drawing/2014/main" xmlns="" id="{8D9AE28A-CC9B-4CB8-8305-C72C23EFF853}"/>
+                <a16:creationId xmlns="" xmlns:a16="http://schemas.microsoft.com/office/drawing/2014/main" id="{8D9AE28A-CC9B-4CB8-8305-C72C23EFF853}"/>
               </a:ext>
             </a:extLst>
           </p:cNvPr>
@@ -21658,7 +21658,7 @@
           <p:cNvPr id="16" name="TextBox 15">
             <a:extLst>
               <a:ext uri="{FF2B5EF4-FFF2-40B4-BE49-F238E27FC236}">
-                <a16:creationId xmlns:a16="http://schemas.microsoft.com/office/drawing/2014/main" xmlns="" id="{8D9AE28A-CC9B-4CB8-8305-C72C23EFF853}"/>
+                <a16:creationId xmlns="" xmlns:a16="http://schemas.microsoft.com/office/drawing/2014/main" id="{8D9AE28A-CC9B-4CB8-8305-C72C23EFF853}"/>
               </a:ext>
             </a:extLst>
           </p:cNvPr>
@@ -23219,7 +23219,7 @@
           <p:cNvPr id="47" name="TextBox 46">
             <a:extLst>
               <a:ext uri="{FF2B5EF4-FFF2-40B4-BE49-F238E27FC236}">
-                <a16:creationId xmlns:a16="http://schemas.microsoft.com/office/drawing/2014/main" xmlns="" id="{7D9DD5B4-0146-4CD1-9291-8A4D9FE2BA6F}"/>
+                <a16:creationId xmlns="" xmlns:a16="http://schemas.microsoft.com/office/drawing/2014/main" id="{7D9DD5B4-0146-4CD1-9291-8A4D9FE2BA6F}"/>
               </a:ext>
             </a:extLst>
           </p:cNvPr>
@@ -23370,7 +23370,7 @@
           <p:cNvPr id="48" name="TextBox 47">
             <a:extLst>
               <a:ext uri="{FF2B5EF4-FFF2-40B4-BE49-F238E27FC236}">
-                <a16:creationId xmlns:a16="http://schemas.microsoft.com/office/drawing/2014/main" xmlns="" id="{8D9AE28A-CC9B-4CB8-8305-C72C23EFF853}"/>
+                <a16:creationId xmlns="" xmlns:a16="http://schemas.microsoft.com/office/drawing/2014/main" id="{8D9AE28A-CC9B-4CB8-8305-C72C23EFF853}"/>
               </a:ext>
             </a:extLst>
           </p:cNvPr>
@@ -24551,7 +24551,7 @@
             <p:cNvPr id="3" name="화살표: 오각형 2">
               <a:extLst>
                 <a:ext uri="{FF2B5EF4-FFF2-40B4-BE49-F238E27FC236}">
-                  <a16:creationId xmlns:a16="http://schemas.microsoft.com/office/drawing/2014/main" xmlns="" id="{16213792-A26D-4049-94AC-F2186D592CA6}"/>
+                  <a16:creationId xmlns="" xmlns:a16="http://schemas.microsoft.com/office/drawing/2014/main" id="{16213792-A26D-4049-94AC-F2186D592CA6}"/>
                 </a:ext>
               </a:extLst>
             </p:cNvPr>
@@ -24605,7 +24605,7 @@
             <p:cNvPr id="4" name="화살표: 갈매기형 수장 3">
               <a:extLst>
                 <a:ext uri="{FF2B5EF4-FFF2-40B4-BE49-F238E27FC236}">
-                  <a16:creationId xmlns:a16="http://schemas.microsoft.com/office/drawing/2014/main" xmlns="" id="{9FFC995C-AFD9-415E-92B8-9D984F210DCB}"/>
+                  <a16:creationId xmlns="" xmlns:a16="http://schemas.microsoft.com/office/drawing/2014/main" id="{9FFC995C-AFD9-415E-92B8-9D984F210DCB}"/>
                 </a:ext>
               </a:extLst>
             </p:cNvPr>
@@ -24659,7 +24659,7 @@
             <p:cNvPr id="43" name="화살표: 갈매기형 수장 42">
               <a:extLst>
                 <a:ext uri="{FF2B5EF4-FFF2-40B4-BE49-F238E27FC236}">
-                  <a16:creationId xmlns:a16="http://schemas.microsoft.com/office/drawing/2014/main" xmlns="" id="{76A67F6B-7652-4834-8EBC-5EA9667BEA79}"/>
+                  <a16:creationId xmlns="" xmlns:a16="http://schemas.microsoft.com/office/drawing/2014/main" id="{76A67F6B-7652-4834-8EBC-5EA9667BEA79}"/>
                 </a:ext>
               </a:extLst>
             </p:cNvPr>
@@ -24713,7 +24713,7 @@
             <p:cNvPr id="44" name="화살표: 갈매기형 수장 43">
               <a:extLst>
                 <a:ext uri="{FF2B5EF4-FFF2-40B4-BE49-F238E27FC236}">
-                  <a16:creationId xmlns:a16="http://schemas.microsoft.com/office/drawing/2014/main" xmlns="" id="{3132B5D2-DB18-475B-ACDC-3E1D124A4D92}"/>
+                  <a16:creationId xmlns="" xmlns:a16="http://schemas.microsoft.com/office/drawing/2014/main" id="{3132B5D2-DB18-475B-ACDC-3E1D124A4D92}"/>
                 </a:ext>
               </a:extLst>
             </p:cNvPr>
@@ -24769,7 +24769,7 @@
             <p:cNvPr id="53" name="자유형: 도형 52">
               <a:extLst>
                 <a:ext uri="{FF2B5EF4-FFF2-40B4-BE49-F238E27FC236}">
-                  <a16:creationId xmlns:a16="http://schemas.microsoft.com/office/drawing/2014/main" xmlns="" id="{C442D28F-7123-4889-A6C7-0ED4584D8833}"/>
+                  <a16:creationId xmlns="" xmlns:a16="http://schemas.microsoft.com/office/drawing/2014/main" id="{C442D28F-7123-4889-A6C7-0ED4584D8833}"/>
                 </a:ext>
               </a:extLst>
             </p:cNvPr>
@@ -24905,7 +24905,7 @@
           <p:cNvPr id="54" name="직선 연결선 53">
             <a:extLst>
               <a:ext uri="{FF2B5EF4-FFF2-40B4-BE49-F238E27FC236}">
-                <a16:creationId xmlns:a16="http://schemas.microsoft.com/office/drawing/2014/main" xmlns="" id="{3B75E251-1ACA-4E99-862B-3053B49BD088}"/>
+                <a16:creationId xmlns="" xmlns:a16="http://schemas.microsoft.com/office/drawing/2014/main" id="{3B75E251-1ACA-4E99-862B-3053B49BD088}"/>
               </a:ext>
             </a:extLst>
           </p:cNvPr>
@@ -24948,7 +24948,7 @@
           <p:cNvPr id="55" name="TextBox 54">
             <a:extLst>
               <a:ext uri="{FF2B5EF4-FFF2-40B4-BE49-F238E27FC236}">
-                <a16:creationId xmlns:a16="http://schemas.microsoft.com/office/drawing/2014/main" xmlns="" id="{39CB6435-67C1-43CB-B3F5-8A7E59662167}"/>
+                <a16:creationId xmlns="" xmlns:a16="http://schemas.microsoft.com/office/drawing/2014/main" id="{39CB6435-67C1-43CB-B3F5-8A7E59662167}"/>
               </a:ext>
             </a:extLst>
           </p:cNvPr>
@@ -25001,7 +25001,7 @@
           <p:cNvPr id="56" name="TextBox 55">
             <a:extLst>
               <a:ext uri="{FF2B5EF4-FFF2-40B4-BE49-F238E27FC236}">
-                <a16:creationId xmlns:a16="http://schemas.microsoft.com/office/drawing/2014/main" xmlns="" id="{A02AA70D-A304-4ECB-AA3B-ADC6AC590303}"/>
+                <a16:creationId xmlns="" xmlns:a16="http://schemas.microsoft.com/office/drawing/2014/main" id="{A02AA70D-A304-4ECB-AA3B-ADC6AC590303}"/>
               </a:ext>
             </a:extLst>
           </p:cNvPr>
@@ -25068,7 +25068,7 @@
           <p:cNvPr id="71" name="직선 연결선 70">
             <a:extLst>
               <a:ext uri="{FF2B5EF4-FFF2-40B4-BE49-F238E27FC236}">
-                <a16:creationId xmlns:a16="http://schemas.microsoft.com/office/drawing/2014/main" xmlns="" id="{1EB570D5-AEC8-49D7-9EE2-85A419F951BE}"/>
+                <a16:creationId xmlns="" xmlns:a16="http://schemas.microsoft.com/office/drawing/2014/main" id="{1EB570D5-AEC8-49D7-9EE2-85A419F951BE}"/>
               </a:ext>
             </a:extLst>
           </p:cNvPr>
@@ -25111,7 +25111,7 @@
           <p:cNvPr id="75" name="TextBox 74">
             <a:extLst>
               <a:ext uri="{FF2B5EF4-FFF2-40B4-BE49-F238E27FC236}">
-                <a16:creationId xmlns:a16="http://schemas.microsoft.com/office/drawing/2014/main" xmlns="" id="{7BB02E9B-83C7-45E1-BD8F-9D492A4510A7}"/>
+                <a16:creationId xmlns="" xmlns:a16="http://schemas.microsoft.com/office/drawing/2014/main" id="{7BB02E9B-83C7-45E1-BD8F-9D492A4510A7}"/>
               </a:ext>
             </a:extLst>
           </p:cNvPr>
@@ -25164,7 +25164,7 @@
           <p:cNvPr id="76" name="TextBox 75">
             <a:extLst>
               <a:ext uri="{FF2B5EF4-FFF2-40B4-BE49-F238E27FC236}">
-                <a16:creationId xmlns:a16="http://schemas.microsoft.com/office/drawing/2014/main" xmlns="" id="{3BBBF260-0E23-419D-92E7-74B58829A02A}"/>
+                <a16:creationId xmlns="" xmlns:a16="http://schemas.microsoft.com/office/drawing/2014/main" id="{3BBBF260-0E23-419D-92E7-74B58829A02A}"/>
               </a:ext>
             </a:extLst>
           </p:cNvPr>
@@ -25231,7 +25231,7 @@
           <p:cNvPr id="79" name="직선 연결선 78">
             <a:extLst>
               <a:ext uri="{FF2B5EF4-FFF2-40B4-BE49-F238E27FC236}">
-                <a16:creationId xmlns:a16="http://schemas.microsoft.com/office/drawing/2014/main" xmlns="" id="{32D3017E-8434-403E-BF40-6B6C69A3B210}"/>
+                <a16:creationId xmlns="" xmlns:a16="http://schemas.microsoft.com/office/drawing/2014/main" id="{32D3017E-8434-403E-BF40-6B6C69A3B210}"/>
               </a:ext>
             </a:extLst>
           </p:cNvPr>
@@ -25274,7 +25274,7 @@
           <p:cNvPr id="80" name="TextBox 79">
             <a:extLst>
               <a:ext uri="{FF2B5EF4-FFF2-40B4-BE49-F238E27FC236}">
-                <a16:creationId xmlns:a16="http://schemas.microsoft.com/office/drawing/2014/main" xmlns="" id="{F372637E-95D4-44C4-A9C6-ED1BA99A8704}"/>
+                <a16:creationId xmlns="" xmlns:a16="http://schemas.microsoft.com/office/drawing/2014/main" id="{F372637E-95D4-44C4-A9C6-ED1BA99A8704}"/>
               </a:ext>
             </a:extLst>
           </p:cNvPr>
@@ -25327,7 +25327,7 @@
           <p:cNvPr id="81" name="TextBox 80">
             <a:extLst>
               <a:ext uri="{FF2B5EF4-FFF2-40B4-BE49-F238E27FC236}">
-                <a16:creationId xmlns:a16="http://schemas.microsoft.com/office/drawing/2014/main" xmlns="" id="{473609D3-B11F-41F9-A756-3E8BCADBEC5A}"/>
+                <a16:creationId xmlns="" xmlns:a16="http://schemas.microsoft.com/office/drawing/2014/main" id="{473609D3-B11F-41F9-A756-3E8BCADBEC5A}"/>
               </a:ext>
             </a:extLst>
           </p:cNvPr>
@@ -25432,7 +25432,7 @@
           <p:cNvPr id="89" name="직선 연결선 88">
             <a:extLst>
               <a:ext uri="{FF2B5EF4-FFF2-40B4-BE49-F238E27FC236}">
-                <a16:creationId xmlns:a16="http://schemas.microsoft.com/office/drawing/2014/main" xmlns="" id="{6EA15904-89B6-4DDF-8801-3C56434D7F63}"/>
+                <a16:creationId xmlns="" xmlns:a16="http://schemas.microsoft.com/office/drawing/2014/main" id="{6EA15904-89B6-4DDF-8801-3C56434D7F63}"/>
               </a:ext>
             </a:extLst>
           </p:cNvPr>
@@ -25475,7 +25475,7 @@
           <p:cNvPr id="93" name="TextBox 92">
             <a:extLst>
               <a:ext uri="{FF2B5EF4-FFF2-40B4-BE49-F238E27FC236}">
-                <a16:creationId xmlns:a16="http://schemas.microsoft.com/office/drawing/2014/main" xmlns="" id="{AD15AB99-9693-46D0-9CFE-08D6A457D0F4}"/>
+                <a16:creationId xmlns="" xmlns:a16="http://schemas.microsoft.com/office/drawing/2014/main" id="{AD15AB99-9693-46D0-9CFE-08D6A457D0F4}"/>
               </a:ext>
             </a:extLst>
           </p:cNvPr>
@@ -25528,7 +25528,7 @@
           <p:cNvPr id="97" name="TextBox 96">
             <a:extLst>
               <a:ext uri="{FF2B5EF4-FFF2-40B4-BE49-F238E27FC236}">
-                <a16:creationId xmlns:a16="http://schemas.microsoft.com/office/drawing/2014/main" xmlns="" id="{185893D3-5B80-4147-8533-B4E3763BDEC8}"/>
+                <a16:creationId xmlns="" xmlns:a16="http://schemas.microsoft.com/office/drawing/2014/main" id="{185893D3-5B80-4147-8533-B4E3763BDEC8}"/>
               </a:ext>
             </a:extLst>
           </p:cNvPr>
@@ -25595,7 +25595,7 @@
           <p:cNvPr id="107" name="직선 연결선 106">
             <a:extLst>
               <a:ext uri="{FF2B5EF4-FFF2-40B4-BE49-F238E27FC236}">
-                <a16:creationId xmlns:a16="http://schemas.microsoft.com/office/drawing/2014/main" xmlns="" id="{66980806-912A-40ED-8C9F-9365C84E9B71}"/>
+                <a16:creationId xmlns="" xmlns:a16="http://schemas.microsoft.com/office/drawing/2014/main" id="{66980806-912A-40ED-8C9F-9365C84E9B71}"/>
               </a:ext>
             </a:extLst>
           </p:cNvPr>
@@ -25638,7 +25638,7 @@
           <p:cNvPr id="108" name="TextBox 107">
             <a:extLst>
               <a:ext uri="{FF2B5EF4-FFF2-40B4-BE49-F238E27FC236}">
-                <a16:creationId xmlns:a16="http://schemas.microsoft.com/office/drawing/2014/main" xmlns="" id="{6E228053-FE51-479C-BA8A-A1F26F1F2112}"/>
+                <a16:creationId xmlns="" xmlns:a16="http://schemas.microsoft.com/office/drawing/2014/main" id="{6E228053-FE51-479C-BA8A-A1F26F1F2112}"/>
               </a:ext>
             </a:extLst>
           </p:cNvPr>
@@ -25705,7 +25705,7 @@
           <p:cNvPr id="109" name="TextBox 108">
             <a:extLst>
               <a:ext uri="{FF2B5EF4-FFF2-40B4-BE49-F238E27FC236}">
-                <a16:creationId xmlns:a16="http://schemas.microsoft.com/office/drawing/2014/main" xmlns="" id="{812737C8-3A20-4828-A8E1-5F8F35FF2A32}"/>
+                <a16:creationId xmlns="" xmlns:a16="http://schemas.microsoft.com/office/drawing/2014/main" id="{812737C8-3A20-4828-A8E1-5F8F35FF2A32}"/>
               </a:ext>
             </a:extLst>
           </p:cNvPr>
@@ -25772,7 +25772,7 @@
           <p:cNvPr id="112" name="TextBox 111">
             <a:extLst>
               <a:ext uri="{FF2B5EF4-FFF2-40B4-BE49-F238E27FC236}">
-                <a16:creationId xmlns:a16="http://schemas.microsoft.com/office/drawing/2014/main" xmlns="" id="{F3B079FA-8483-4F4D-8255-763A68833933}"/>
+                <a16:creationId xmlns="" xmlns:a16="http://schemas.microsoft.com/office/drawing/2014/main" id="{F3B079FA-8483-4F4D-8255-763A68833933}"/>
               </a:ext>
             </a:extLst>
           </p:cNvPr>
@@ -26127,7 +26127,7 @@
           <p:cNvPr id="116" name="TextBox 115">
             <a:extLst>
               <a:ext uri="{FF2B5EF4-FFF2-40B4-BE49-F238E27FC236}">
-                <a16:creationId xmlns:a16="http://schemas.microsoft.com/office/drawing/2014/main" xmlns="" id="{4114F6E2-AB23-4CB7-89C3-12AD50394F7A}"/>
+                <a16:creationId xmlns="" xmlns:a16="http://schemas.microsoft.com/office/drawing/2014/main" id="{4114F6E2-AB23-4CB7-89C3-12AD50394F7A}"/>
               </a:ext>
             </a:extLst>
           </p:cNvPr>
@@ -26401,7 +26401,7 @@
           <p:cNvPr id="118" name="TextBox 117">
             <a:extLst>
               <a:ext uri="{FF2B5EF4-FFF2-40B4-BE49-F238E27FC236}">
-                <a16:creationId xmlns:a16="http://schemas.microsoft.com/office/drawing/2014/main" xmlns="" id="{5FFE7A62-5764-4F17-91D2-B46A2B985EC6}"/>
+                <a16:creationId xmlns="" xmlns:a16="http://schemas.microsoft.com/office/drawing/2014/main" id="{5FFE7A62-5764-4F17-91D2-B46A2B985EC6}"/>
               </a:ext>
             </a:extLst>
           </p:cNvPr>
@@ -26671,7 +26671,7 @@
           <p:cNvPr id="121" name="TextBox 120">
             <a:extLst>
               <a:ext uri="{FF2B5EF4-FFF2-40B4-BE49-F238E27FC236}">
-                <a16:creationId xmlns:a16="http://schemas.microsoft.com/office/drawing/2014/main" xmlns="" id="{E3552EC4-246C-4654-B60F-A0CCC207A202}"/>
+                <a16:creationId xmlns="" xmlns:a16="http://schemas.microsoft.com/office/drawing/2014/main" id="{E3552EC4-246C-4654-B60F-A0CCC207A202}"/>
               </a:ext>
             </a:extLst>
           </p:cNvPr>
@@ -26997,7 +26997,7 @@
           <p:cNvPr id="40" name="TextBox 39">
             <a:extLst>
               <a:ext uri="{FF2B5EF4-FFF2-40B4-BE49-F238E27FC236}">
-                <a16:creationId xmlns:a16="http://schemas.microsoft.com/office/drawing/2014/main" xmlns="" id="{E3552EC4-246C-4654-B60F-A0CCC207A202}"/>
+                <a16:creationId xmlns="" xmlns:a16="http://schemas.microsoft.com/office/drawing/2014/main" id="{E3552EC4-246C-4654-B60F-A0CCC207A202}"/>
               </a:ext>
             </a:extLst>
           </p:cNvPr>
@@ -28184,7 +28184,7 @@
             <p:cNvPr id="16" name="TextBox 15">
               <a:extLst>
                 <a:ext uri="{FF2B5EF4-FFF2-40B4-BE49-F238E27FC236}">
-                  <a16:creationId xmlns:a16="http://schemas.microsoft.com/office/drawing/2014/main" xmlns="" id="{8D9AE28A-CC9B-4CB8-8305-C72C23EFF853}"/>
+                  <a16:creationId xmlns="" xmlns:a16="http://schemas.microsoft.com/office/drawing/2014/main" id="{8D9AE28A-CC9B-4CB8-8305-C72C23EFF853}"/>
                 </a:ext>
               </a:extLst>
             </p:cNvPr>
@@ -29108,7 +29108,7 @@
             <p:cNvPr id="19" name="TextBox 18">
               <a:extLst>
                 <a:ext uri="{FF2B5EF4-FFF2-40B4-BE49-F238E27FC236}">
-                  <a16:creationId xmlns:a16="http://schemas.microsoft.com/office/drawing/2014/main" xmlns="" id="{8D9AE28A-CC9B-4CB8-8305-C72C23EFF853}"/>
+                  <a16:creationId xmlns="" xmlns:a16="http://schemas.microsoft.com/office/drawing/2014/main" id="{8D9AE28A-CC9B-4CB8-8305-C72C23EFF853}"/>
                 </a:ext>
               </a:extLst>
             </p:cNvPr>
@@ -29999,7 +29999,7 @@
           <p:cNvPr id="11" name="TextBox 10">
             <a:extLst>
               <a:ext uri="{FF2B5EF4-FFF2-40B4-BE49-F238E27FC236}">
-                <a16:creationId xmlns:a16="http://schemas.microsoft.com/office/drawing/2014/main" xmlns="" id="{8D9AE28A-CC9B-4CB8-8305-C72C23EFF853}"/>
+                <a16:creationId xmlns="" xmlns:a16="http://schemas.microsoft.com/office/drawing/2014/main" id="{8D9AE28A-CC9B-4CB8-8305-C72C23EFF853}"/>
               </a:ext>
             </a:extLst>
           </p:cNvPr>
@@ -30134,7 +30134,7 @@
           <p:cNvPr id="12" name="TextBox 11">
             <a:extLst>
               <a:ext uri="{FF2B5EF4-FFF2-40B4-BE49-F238E27FC236}">
-                <a16:creationId xmlns:a16="http://schemas.microsoft.com/office/drawing/2014/main" xmlns="" id="{8D9AE28A-CC9B-4CB8-8305-C72C23EFF853}"/>
+                <a16:creationId xmlns="" xmlns:a16="http://schemas.microsoft.com/office/drawing/2014/main" id="{8D9AE28A-CC9B-4CB8-8305-C72C23EFF853}"/>
               </a:ext>
             </a:extLst>
           </p:cNvPr>
@@ -32023,7 +32023,7 @@
           <p:cNvPr id="8" name="TextBox 7">
             <a:extLst>
               <a:ext uri="{FF2B5EF4-FFF2-40B4-BE49-F238E27FC236}">
-                <a16:creationId xmlns:a16="http://schemas.microsoft.com/office/drawing/2014/main" xmlns="" id="{8D9AE28A-CC9B-4CB8-8305-C72C23EFF853}"/>
+                <a16:creationId xmlns="" xmlns:a16="http://schemas.microsoft.com/office/drawing/2014/main" id="{8D9AE28A-CC9B-4CB8-8305-C72C23EFF853}"/>
               </a:ext>
             </a:extLst>
           </p:cNvPr>
